--- a/EVAL-AD5940 BIOZ.pptx
+++ b/EVAL-AD5940 BIOZ.pptx
@@ -112,6 +112,11 @@
       </a:defRPr>
     </a:lvl9pPr>
   </p:defaultTextStyle>
+  <p:extLst>
+    <p:ext uri="{EFAFB233-063F-42B5-8137-9DF3F51BA10A}">
+      <p15:sldGuideLst xmlns:p15="http://schemas.microsoft.com/office/powerpoint/2012/main"/>
+    </p:ext>
+  </p:extLst>
 </p:presentation>
 </file>
 
@@ -303,7 +308,7 @@
           <a:p>
             <a:fld id="{7D59E114-8DD0-4AD7-99A0-7A17ABB21305}" type="datetimeFigureOut">
               <a:rPr lang="it-IT" smtClean="0"/>
-              <a:t>21/04/2022</a:t>
+              <a:t>22/04/2022</a:t>
             </a:fld>
             <a:endParaRPr lang="it-IT"/>
           </a:p>
@@ -641,7 +646,7 @@
           <a:p>
             <a:fld id="{7D59E114-8DD0-4AD7-99A0-7A17ABB21305}" type="datetimeFigureOut">
               <a:rPr lang="it-IT" smtClean="0"/>
-              <a:t>21/04/2022</a:t>
+              <a:t>22/04/2022</a:t>
             </a:fld>
             <a:endParaRPr lang="it-IT"/>
           </a:p>
@@ -1042,7 +1047,7 @@
           <a:p>
             <a:fld id="{7D59E114-8DD0-4AD7-99A0-7A17ABB21305}" type="datetimeFigureOut">
               <a:rPr lang="it-IT" smtClean="0"/>
-              <a:t>21/04/2022</a:t>
+              <a:t>22/04/2022</a:t>
             </a:fld>
             <a:endParaRPr lang="it-IT"/>
           </a:p>
@@ -1377,7 +1382,7 @@
           <a:p>
             <a:fld id="{7D59E114-8DD0-4AD7-99A0-7A17ABB21305}" type="datetimeFigureOut">
               <a:rPr lang="it-IT" smtClean="0"/>
-              <a:t>21/04/2022</a:t>
+              <a:t>22/04/2022</a:t>
             </a:fld>
             <a:endParaRPr lang="it-IT"/>
           </a:p>
@@ -1697,7 +1702,7 @@
           <a:p>
             <a:fld id="{7D59E114-8DD0-4AD7-99A0-7A17ABB21305}" type="datetimeFigureOut">
               <a:rPr lang="it-IT" smtClean="0"/>
-              <a:t>21/04/2022</a:t>
+              <a:t>22/04/2022</a:t>
             </a:fld>
             <a:endParaRPr lang="it-IT"/>
           </a:p>
@@ -2093,7 +2098,7 @@
           <a:p>
             <a:fld id="{7D59E114-8DD0-4AD7-99A0-7A17ABB21305}" type="datetimeFigureOut">
               <a:rPr lang="it-IT" smtClean="0"/>
-              <a:t>21/04/2022</a:t>
+              <a:t>22/04/2022</a:t>
             </a:fld>
             <a:endParaRPr lang="it-IT"/>
           </a:p>
@@ -2350,7 +2355,7 @@
           <a:p>
             <a:fld id="{7D59E114-8DD0-4AD7-99A0-7A17ABB21305}" type="datetimeFigureOut">
               <a:rPr lang="it-IT" smtClean="0"/>
-              <a:t>21/04/2022</a:t>
+              <a:t>22/04/2022</a:t>
             </a:fld>
             <a:endParaRPr lang="it-IT"/>
           </a:p>
@@ -2612,7 +2617,7 @@
           <a:p>
             <a:fld id="{7D59E114-8DD0-4AD7-99A0-7A17ABB21305}" type="datetimeFigureOut">
               <a:rPr lang="it-IT" smtClean="0"/>
-              <a:t>21/04/2022</a:t>
+              <a:t>22/04/2022</a:t>
             </a:fld>
             <a:endParaRPr lang="it-IT"/>
           </a:p>
@@ -2874,7 +2879,7 @@
           <a:p>
             <a:fld id="{7D59E114-8DD0-4AD7-99A0-7A17ABB21305}" type="datetimeFigureOut">
               <a:rPr lang="it-IT" smtClean="0"/>
-              <a:t>21/04/2022</a:t>
+              <a:t>22/04/2022</a:t>
             </a:fld>
             <a:endParaRPr lang="it-IT"/>
           </a:p>
@@ -3203,7 +3208,7 @@
           <a:p>
             <a:fld id="{7D59E114-8DD0-4AD7-99A0-7A17ABB21305}" type="datetimeFigureOut">
               <a:rPr lang="it-IT" smtClean="0"/>
-              <a:t>21/04/2022</a:t>
+              <a:t>22/04/2022</a:t>
             </a:fld>
             <a:endParaRPr lang="it-IT"/>
           </a:p>
@@ -3526,7 +3531,7 @@
           <a:p>
             <a:fld id="{7D59E114-8DD0-4AD7-99A0-7A17ABB21305}" type="datetimeFigureOut">
               <a:rPr lang="it-IT" smtClean="0"/>
-              <a:t>21/04/2022</a:t>
+              <a:t>22/04/2022</a:t>
             </a:fld>
             <a:endParaRPr lang="it-IT"/>
           </a:p>
@@ -3983,7 +3988,7 @@
           <a:p>
             <a:fld id="{7D59E114-8DD0-4AD7-99A0-7A17ABB21305}" type="datetimeFigureOut">
               <a:rPr lang="it-IT" smtClean="0"/>
-              <a:t>21/04/2022</a:t>
+              <a:t>22/04/2022</a:t>
             </a:fld>
             <a:endParaRPr lang="it-IT"/>
           </a:p>
@@ -4188,7 +4193,7 @@
           <a:p>
             <a:fld id="{7D59E114-8DD0-4AD7-99A0-7A17ABB21305}" type="datetimeFigureOut">
               <a:rPr lang="it-IT" smtClean="0"/>
-              <a:t>21/04/2022</a:t>
+              <a:t>22/04/2022</a:t>
             </a:fld>
             <a:endParaRPr lang="it-IT"/>
           </a:p>
@@ -4365,7 +4370,7 @@
           <a:p>
             <a:fld id="{7D59E114-8DD0-4AD7-99A0-7A17ABB21305}" type="datetimeFigureOut">
               <a:rPr lang="it-IT" smtClean="0"/>
-              <a:t>21/04/2022</a:t>
+              <a:t>22/04/2022</a:t>
             </a:fld>
             <a:endParaRPr lang="it-IT"/>
           </a:p>
@@ -4698,7 +4703,7 @@
           <a:p>
             <a:fld id="{7D59E114-8DD0-4AD7-99A0-7A17ABB21305}" type="datetimeFigureOut">
               <a:rPr lang="it-IT" smtClean="0"/>
-              <a:t>21/04/2022</a:t>
+              <a:t>22/04/2022</a:t>
             </a:fld>
             <a:endParaRPr lang="it-IT"/>
           </a:p>
@@ -5043,7 +5048,7 @@
           <a:p>
             <a:fld id="{7D59E114-8DD0-4AD7-99A0-7A17ABB21305}" type="datetimeFigureOut">
               <a:rPr lang="it-IT" smtClean="0"/>
-              <a:t>21/04/2022</a:t>
+              <a:t>22/04/2022</a:t>
             </a:fld>
             <a:endParaRPr lang="it-IT"/>
           </a:p>
@@ -7160,7 +7165,7 @@
           <a:p>
             <a:fld id="{7D59E114-8DD0-4AD7-99A0-7A17ABB21305}" type="datetimeFigureOut">
               <a:rPr lang="it-IT" smtClean="0"/>
-              <a:t>21/04/2022</a:t>
+              <a:t>22/04/2022</a:t>
             </a:fld>
             <a:endParaRPr lang="it-IT"/>
           </a:p>
@@ -8943,45 +8948,6 @@
           </a:p>
         </p:txBody>
       </p:sp>
-      <p:sp>
-        <p:nvSpPr>
-          <p:cNvPr id="3" name="Sottotitolo 2">
-            <a:extLst>
-              <a:ext uri="{FF2B5EF4-FFF2-40B4-BE49-F238E27FC236}">
-                <a16:creationId xmlns:a16="http://schemas.microsoft.com/office/drawing/2014/main" id="{7ACE7486-005E-4F3D-8F6C-729C8B345273}"/>
-              </a:ext>
-            </a:extLst>
-          </p:cNvPr>
-          <p:cNvSpPr>
-            <a:spLocks noGrp="1"/>
-          </p:cNvSpPr>
-          <p:nvPr>
-            <p:ph type="subTitle" idx="1"/>
-          </p:nvPr>
-        </p:nvSpPr>
-        <p:spPr>
-          <a:xfrm>
-            <a:off x="1828801" y="5834743"/>
-            <a:ext cx="10010272" cy="890909"/>
-          </a:xfrm>
-        </p:spPr>
-        <p:txBody>
-          <a:bodyPr anchor="t">
-            <a:normAutofit/>
-          </a:bodyPr>
-          <a:lstStyle/>
-          <a:p>
-            <a:endParaRPr lang="it-IT" sz="1500" dirty="0">
-              <a:solidFill>
-                <a:schemeClr val="tx1">
-                  <a:lumMod val="65000"/>
-                  <a:lumOff val="35000"/>
-                </a:schemeClr>
-              </a:solidFill>
-            </a:endParaRPr>
-          </a:p>
-        </p:txBody>
-      </p:sp>
       <p:pic>
         <p:nvPicPr>
           <p:cNvPr id="5" name="Immagine 4">
